--- a/DevSecOps Functional Roles Tools Reference.pptx
+++ b/DevSecOps Functional Roles Tools Reference.pptx
@@ -137,6 +137,11 @@
       </a:defRPr>
     </a:lvl9pPr>
   </p:defaultTextStyle>
+  <p:extLst>
+    <p:ext uri="{EFAFB233-063F-42B5-8137-9DF3F51BA10A}">
+      <p15:sldGuideLst xmlns:p15="http://schemas.microsoft.com/office/powerpoint/2012/main"/>
+    </p:ext>
+  </p:extLst>
 </p:presentation>
 </file>
 
@@ -153,18 +158,18 @@
   <pc:docChgLst>
     <pc:chgData name="Vijay Reddiar" userId="de7618a792c17300" providerId="LiveId" clId="{3D989099-4D45-4A01-907D-7D396B76E185}"/>
     <pc:docChg chg="undo custSel addSld delSld modSld sldOrd">
-      <pc:chgData name="Vijay Reddiar" userId="de7618a792c17300" providerId="LiveId" clId="{3D989099-4D45-4A01-907D-7D396B76E185}" dt="2018-12-17T05:08:42.088" v="701" actId="20577"/>
+      <pc:chgData name="Vijay Reddiar" userId="de7618a792c17300" providerId="LiveId" clId="{3D989099-4D45-4A01-907D-7D396B76E185}" dt="2018-12-17T13:21:00.810" v="720" actId="404"/>
       <pc:docMkLst>
         <pc:docMk/>
       </pc:docMkLst>
       <pc:sldChg chg="modSp">
-        <pc:chgData name="Vijay Reddiar" userId="de7618a792c17300" providerId="LiveId" clId="{3D989099-4D45-4A01-907D-7D396B76E185}" dt="2018-12-17T05:08:42.088" v="701" actId="20577"/>
+        <pc:chgData name="Vijay Reddiar" userId="de7618a792c17300" providerId="LiveId" clId="{3D989099-4D45-4A01-907D-7D396B76E185}" dt="2018-12-17T13:21:00.810" v="720" actId="404"/>
         <pc:sldMkLst>
           <pc:docMk/>
           <pc:sldMk cId="2226074047" sldId="256"/>
         </pc:sldMkLst>
         <pc:spChg chg="mod">
-          <ac:chgData name="Vijay Reddiar" userId="de7618a792c17300" providerId="LiveId" clId="{3D989099-4D45-4A01-907D-7D396B76E185}" dt="2018-12-17T05:08:42.088" v="701" actId="20577"/>
+          <ac:chgData name="Vijay Reddiar" userId="de7618a792c17300" providerId="LiveId" clId="{3D989099-4D45-4A01-907D-7D396B76E185}" dt="2018-12-17T13:21:00.810" v="720" actId="404"/>
           <ac:spMkLst>
             <pc:docMk/>
             <pc:sldMk cId="2226074047" sldId="256"/>
@@ -947,7 +952,7 @@
           <a:p>
             <a:fld id="{93378093-EBDC-45D2-BDDB-3C1B4DAEA059}" type="datetimeFigureOut">
               <a:rPr lang="en-US" smtClean="0"/>
-              <a:t>12/16/2018</a:t>
+              <a:t>12/17/2018</a:t>
             </a:fld>
             <a:endParaRPr lang="en-US"/>
           </a:p>
@@ -1145,7 +1150,7 @@
           <a:p>
             <a:fld id="{93378093-EBDC-45D2-BDDB-3C1B4DAEA059}" type="datetimeFigureOut">
               <a:rPr lang="en-US" smtClean="0"/>
-              <a:t>12/16/2018</a:t>
+              <a:t>12/17/2018</a:t>
             </a:fld>
             <a:endParaRPr lang="en-US"/>
           </a:p>
@@ -1353,7 +1358,7 @@
           <a:p>
             <a:fld id="{93378093-EBDC-45D2-BDDB-3C1B4DAEA059}" type="datetimeFigureOut">
               <a:rPr lang="en-US" smtClean="0"/>
-              <a:t>12/16/2018</a:t>
+              <a:t>12/17/2018</a:t>
             </a:fld>
             <a:endParaRPr lang="en-US"/>
           </a:p>
@@ -1551,7 +1556,7 @@
           <a:p>
             <a:fld id="{93378093-EBDC-45D2-BDDB-3C1B4DAEA059}" type="datetimeFigureOut">
               <a:rPr lang="en-US" smtClean="0"/>
-              <a:t>12/16/2018</a:t>
+              <a:t>12/17/2018</a:t>
             </a:fld>
             <a:endParaRPr lang="en-US"/>
           </a:p>
@@ -1826,7 +1831,7 @@
           <a:p>
             <a:fld id="{93378093-EBDC-45D2-BDDB-3C1B4DAEA059}" type="datetimeFigureOut">
               <a:rPr lang="en-US" smtClean="0"/>
-              <a:t>12/16/2018</a:t>
+              <a:t>12/17/2018</a:t>
             </a:fld>
             <a:endParaRPr lang="en-US"/>
           </a:p>
@@ -2091,7 +2096,7 @@
           <a:p>
             <a:fld id="{93378093-EBDC-45D2-BDDB-3C1B4DAEA059}" type="datetimeFigureOut">
               <a:rPr lang="en-US" smtClean="0"/>
-              <a:t>12/16/2018</a:t>
+              <a:t>12/17/2018</a:t>
             </a:fld>
             <a:endParaRPr lang="en-US"/>
           </a:p>
@@ -2503,7 +2508,7 @@
           <a:p>
             <a:fld id="{93378093-EBDC-45D2-BDDB-3C1B4DAEA059}" type="datetimeFigureOut">
               <a:rPr lang="en-US" smtClean="0"/>
-              <a:t>12/16/2018</a:t>
+              <a:t>12/17/2018</a:t>
             </a:fld>
             <a:endParaRPr lang="en-US"/>
           </a:p>
@@ -2644,7 +2649,7 @@
           <a:p>
             <a:fld id="{93378093-EBDC-45D2-BDDB-3C1B4DAEA059}" type="datetimeFigureOut">
               <a:rPr lang="en-US" smtClean="0"/>
-              <a:t>12/16/2018</a:t>
+              <a:t>12/17/2018</a:t>
             </a:fld>
             <a:endParaRPr lang="en-US"/>
           </a:p>
@@ -2757,7 +2762,7 @@
           <a:p>
             <a:fld id="{93378093-EBDC-45D2-BDDB-3C1B4DAEA059}" type="datetimeFigureOut">
               <a:rPr lang="en-US" smtClean="0"/>
-              <a:t>12/16/2018</a:t>
+              <a:t>12/17/2018</a:t>
             </a:fld>
             <a:endParaRPr lang="en-US"/>
           </a:p>
@@ -3068,7 +3073,7 @@
           <a:p>
             <a:fld id="{93378093-EBDC-45D2-BDDB-3C1B4DAEA059}" type="datetimeFigureOut">
               <a:rPr lang="en-US" smtClean="0"/>
-              <a:t>12/16/2018</a:t>
+              <a:t>12/17/2018</a:t>
             </a:fld>
             <a:endParaRPr lang="en-US"/>
           </a:p>
@@ -3356,7 +3361,7 @@
           <a:p>
             <a:fld id="{93378093-EBDC-45D2-BDDB-3C1B4DAEA059}" type="datetimeFigureOut">
               <a:rPr lang="en-US" smtClean="0"/>
-              <a:t>12/16/2018</a:t>
+              <a:t>12/17/2018</a:t>
             </a:fld>
             <a:endParaRPr lang="en-US"/>
           </a:p>
@@ -3597,7 +3602,7 @@
           <a:p>
             <a:fld id="{93378093-EBDC-45D2-BDDB-3C1B4DAEA059}" type="datetimeFigureOut">
               <a:rPr lang="en-US" smtClean="0"/>
-              <a:t>12/16/2018</a:t>
+              <a:t>12/17/2018</a:t>
             </a:fld>
             <a:endParaRPr lang="en-US"/>
           </a:p>
@@ -4066,17 +4071,19 @@
           <a:p>
             <a:r>
               <a:rPr lang="en-US" dirty="0"/>
-              <a:t>My Functional Roles Tools and Tips Notes </a:t>
+              <a:t>Functional Roles Tools and Tips</a:t>
             </a:r>
           </a:p>
           <a:p>
             <a:r>
-              <a:rPr lang="en-US"/>
-              <a:t>Borrowed from </a:t>
+              <a:rPr lang="en-US" sz="1800" i="1" dirty="0"/>
+              <a:t>Borrowed from Hands-On Security in DevOps by Tony Hsu</a:t>
             </a:r>
+          </a:p>
+          <a:p>
             <a:r>
               <a:rPr lang="en-US" dirty="0"/>
-              <a:t>Hands-On Security in DevOps by Tony Hsu</a:t>
+              <a:t>Vijay Reddiar</a:t>
             </a:r>
           </a:p>
         </p:txBody>
